--- a/zkdoc/styleguide/calendar-jumper.pptx
+++ b/zkdoc/styleguide/calendar-jumper.pptx
@@ -193,7 +193,7 @@
             <a:fld id="{58DB5118-5A2F-45FB-91B4-3C1B1F00FC1B}" type="datetimeFigureOut">
               <a:rPr lang="en-US" smtClean="0"/>
               <a:pPr/>
-              <a:t>2/14/2008</a:t>
+              <a:t>2/15/2008</a:t>
             </a:fld>
             <a:endParaRPr lang="en-US" dirty="0"/>
           </a:p>
@@ -723,7 +723,7 @@
             <a:fld id="{5F790AB9-8C3F-4647-A757-E0E99A6A2D61}" type="datetimeFigureOut">
               <a:rPr lang="en-US" smtClean="0"/>
               <a:pPr/>
-              <a:t>2/14/2008</a:t>
+              <a:t>2/15/2008</a:t>
             </a:fld>
             <a:endParaRPr lang="en-US" dirty="0"/>
           </a:p>
@@ -890,7 +890,7 @@
             <a:fld id="{5F790AB9-8C3F-4647-A757-E0E99A6A2D61}" type="datetimeFigureOut">
               <a:rPr lang="en-US" smtClean="0"/>
               <a:pPr/>
-              <a:t>2/14/2008</a:t>
+              <a:t>2/15/2008</a:t>
             </a:fld>
             <a:endParaRPr lang="en-US" dirty="0"/>
           </a:p>
@@ -1067,7 +1067,7 @@
             <a:fld id="{5F790AB9-8C3F-4647-A757-E0E99A6A2D61}" type="datetimeFigureOut">
               <a:rPr lang="en-US" smtClean="0"/>
               <a:pPr/>
-              <a:t>2/14/2008</a:t>
+              <a:t>2/15/2008</a:t>
             </a:fld>
             <a:endParaRPr lang="en-US" dirty="0"/>
           </a:p>
@@ -1234,7 +1234,7 @@
             <a:fld id="{5F790AB9-8C3F-4647-A757-E0E99A6A2D61}" type="datetimeFigureOut">
               <a:rPr lang="en-US" smtClean="0"/>
               <a:pPr/>
-              <a:t>2/14/2008</a:t>
+              <a:t>2/15/2008</a:t>
             </a:fld>
             <a:endParaRPr lang="en-US" dirty="0"/>
           </a:p>
@@ -1477,7 +1477,7 @@
             <a:fld id="{5F790AB9-8C3F-4647-A757-E0E99A6A2D61}" type="datetimeFigureOut">
               <a:rPr lang="en-US" smtClean="0"/>
               <a:pPr/>
-              <a:t>2/14/2008</a:t>
+              <a:t>2/15/2008</a:t>
             </a:fld>
             <a:endParaRPr lang="en-US" dirty="0"/>
           </a:p>
@@ -1762,7 +1762,7 @@
             <a:fld id="{5F790AB9-8C3F-4647-A757-E0E99A6A2D61}" type="datetimeFigureOut">
               <a:rPr lang="en-US" smtClean="0"/>
               <a:pPr/>
-              <a:t>2/14/2008</a:t>
+              <a:t>2/15/2008</a:t>
             </a:fld>
             <a:endParaRPr lang="en-US" dirty="0"/>
           </a:p>
@@ -2181,7 +2181,7 @@
             <a:fld id="{5F790AB9-8C3F-4647-A757-E0E99A6A2D61}" type="datetimeFigureOut">
               <a:rPr lang="en-US" smtClean="0"/>
               <a:pPr/>
-              <a:t>2/14/2008</a:t>
+              <a:t>2/15/2008</a:t>
             </a:fld>
             <a:endParaRPr lang="en-US" dirty="0"/>
           </a:p>
@@ -2296,7 +2296,7 @@
             <a:fld id="{5F790AB9-8C3F-4647-A757-E0E99A6A2D61}" type="datetimeFigureOut">
               <a:rPr lang="en-US" smtClean="0"/>
               <a:pPr/>
-              <a:t>2/14/2008</a:t>
+              <a:t>2/15/2008</a:t>
             </a:fld>
             <a:endParaRPr lang="en-US" dirty="0"/>
           </a:p>
@@ -2388,7 +2388,7 @@
             <a:fld id="{5F790AB9-8C3F-4647-A757-E0E99A6A2D61}" type="datetimeFigureOut">
               <a:rPr lang="en-US" smtClean="0"/>
               <a:pPr/>
-              <a:t>2/14/2008</a:t>
+              <a:t>2/15/2008</a:t>
             </a:fld>
             <a:endParaRPr lang="en-US" dirty="0"/>
           </a:p>
@@ -2662,7 +2662,7 @@
             <a:fld id="{5F790AB9-8C3F-4647-A757-E0E99A6A2D61}" type="datetimeFigureOut">
               <a:rPr lang="en-US" smtClean="0"/>
               <a:pPr/>
-              <a:t>2/14/2008</a:t>
+              <a:t>2/15/2008</a:t>
             </a:fld>
             <a:endParaRPr lang="en-US" dirty="0"/>
           </a:p>
@@ -2912,7 +2912,7 @@
             <a:fld id="{5F790AB9-8C3F-4647-A757-E0E99A6A2D61}" type="datetimeFigureOut">
               <a:rPr lang="en-US" smtClean="0"/>
               <a:pPr/>
-              <a:t>2/14/2008</a:t>
+              <a:t>2/15/2008</a:t>
             </a:fld>
             <a:endParaRPr lang="en-US" dirty="0"/>
           </a:p>
@@ -3122,7 +3122,7 @@
             <a:fld id="{5F790AB9-8C3F-4647-A757-E0E99A6A2D61}" type="datetimeFigureOut">
               <a:rPr lang="en-US" smtClean="0"/>
               <a:pPr/>
-              <a:t>2/14/2008</a:t>
+              <a:t>2/15/2008</a:t>
             </a:fld>
             <a:endParaRPr lang="en-US" dirty="0"/>
           </a:p>
@@ -3495,7 +3495,7 @@
       </p:grpSpPr>
       <p:pic>
         <p:nvPicPr>
-          <p:cNvPr id="2" name="Picture 2" descr="D:\home\jumperchen\prj\zk1\zkdoc\styleguide\images\calenlar-seld.gif"/>
+          <p:cNvPr id="4" name="Picture 4"/>
           <p:cNvPicPr>
             <a:picLocks noChangeAspect="1" noChangeArrowheads="1"/>
           </p:cNvPicPr>
@@ -3510,13 +3510,79 @@
         </p:blipFill>
         <p:spPr bwMode="auto">
           <a:xfrm>
-            <a:off x="557784" y="688848"/>
-            <a:ext cx="1800225" cy="1562100"/>
+            <a:off x="2057400" y="5114544"/>
+            <a:ext cx="1666875" cy="723900"/>
           </a:xfrm>
           <a:prstGeom prst="rect">
             <a:avLst/>
           </a:prstGeom>
           <a:noFill/>
+          <a:ln w="9525">
+            <a:noFill/>
+            <a:miter lim="800000"/>
+            <a:headEnd/>
+            <a:tailEnd/>
+          </a:ln>
+          <a:effectLst/>
+        </p:spPr>
+      </p:pic>
+      <p:pic>
+        <p:nvPicPr>
+          <p:cNvPr id="1027" name="Picture 3"/>
+          <p:cNvPicPr>
+            <a:picLocks noChangeAspect="1" noChangeArrowheads="1"/>
+          </p:cNvPicPr>
+          <p:nvPr/>
+        </p:nvPicPr>
+        <p:blipFill>
+          <a:blip r:embed="rId4"/>
+          <a:srcRect/>
+          <a:stretch>
+            <a:fillRect/>
+          </a:stretch>
+        </p:blipFill>
+        <p:spPr bwMode="auto">
+          <a:xfrm>
+            <a:off x="5260848" y="1161669"/>
+            <a:ext cx="1685925" cy="295275"/>
+          </a:xfrm>
+          <a:prstGeom prst="rect">
+            <a:avLst/>
+          </a:prstGeom>
+          <a:noFill/>
+          <a:ln w="9525">
+            <a:noFill/>
+            <a:miter lim="800000"/>
+            <a:headEnd/>
+            <a:tailEnd/>
+          </a:ln>
+          <a:effectLst/>
+        </p:spPr>
+      </p:pic>
+      <p:pic>
+        <p:nvPicPr>
+          <p:cNvPr id="2" name="Picture 2" descr="D:\home\jumperchen\prj\zk1\zkdoc\styleguide\images\calenlar-seld.gif"/>
+          <p:cNvPicPr>
+            <a:picLocks noChangeAspect="1" noChangeArrowheads="1"/>
+          </p:cNvPicPr>
+          <p:nvPr/>
+        </p:nvPicPr>
+        <p:blipFill>
+          <a:blip r:embed="rId5"/>
+          <a:srcRect/>
+          <a:stretch>
+            <a:fillRect/>
+          </a:stretch>
+        </p:blipFill>
+        <p:spPr bwMode="auto">
+          <a:xfrm>
+            <a:off x="646176" y="762000"/>
+            <a:ext cx="1800225" cy="1562100"/>
+          </a:xfrm>
+          <a:prstGeom prst="rect">
+            <a:avLst/>
+          </a:prstGeom>
+          <a:noFill/>
         </p:spPr>
       </p:pic>
       <p:sp>
@@ -3527,7 +3593,7 @@
         </p:nvSpPr>
         <p:spPr>
           <a:xfrm>
-            <a:off x="786384" y="917448"/>
+            <a:off x="5455920" y="1121664"/>
             <a:ext cx="457200" cy="228600"/>
           </a:xfrm>
           <a:prstGeom prst="rect">
@@ -3566,7 +3632,7 @@
         </p:nvSpPr>
         <p:spPr>
           <a:xfrm>
-            <a:off x="3072384" y="1679448"/>
+            <a:off x="4953000" y="685800"/>
             <a:ext cx="914400" cy="304800"/>
           </a:xfrm>
           <a:prstGeom prst="rect">
@@ -3604,15 +3670,15 @@
         <p:nvCxnSpPr>
           <p:cNvPr id="11" name="Straight Connector 10"/>
           <p:cNvCxnSpPr>
-            <a:stCxn id="8" idx="1"/>
-            <a:endCxn id="6" idx="3"/>
+            <a:stCxn id="8" idx="2"/>
+            <a:endCxn id="6" idx="0"/>
           </p:cNvCxnSpPr>
           <p:nvPr/>
         </p:nvCxnSpPr>
         <p:spPr>
-          <a:xfrm rot="10800000">
-            <a:off x="1243584" y="1031748"/>
-            <a:ext cx="1828800" cy="800100"/>
+          <a:xfrm rot="16200000" flipH="1">
+            <a:off x="5481828" y="918972"/>
+            <a:ext cx="131064" cy="274320"/>
           </a:xfrm>
           <a:prstGeom prst="line">
             <a:avLst/>
@@ -3635,29 +3701,28 @@
       </p:cxnSp>
       <p:sp>
         <p:nvSpPr>
-          <p:cNvPr id="14" name="Rectangle 13"/>
+          <p:cNvPr id="16" name="Rectangle 15"/>
           <p:cNvSpPr/>
           <p:nvPr/>
         </p:nvSpPr>
         <p:spPr>
           <a:xfrm>
-            <a:off x="1752600" y="3124200"/>
-            <a:ext cx="2057400" cy="381000"/>
+            <a:off x="2895600" y="533400"/>
+            <a:ext cx="1447800" cy="304800"/>
           </a:xfrm>
           <a:prstGeom prst="rect">
             <a:avLst/>
           </a:prstGeom>
-          <a:noFill/>
         </p:spPr>
         <p:style>
           <a:lnRef idx="2">
-            <a:schemeClr val="accent2"/>
+            <a:schemeClr val="accent1"/>
           </a:lnRef>
           <a:fillRef idx="1">
             <a:schemeClr val="lt1"/>
           </a:fillRef>
           <a:effectRef idx="0">
-            <a:schemeClr val="accent2"/>
+            <a:schemeClr val="accent1"/>
           </a:effectRef>
           <a:fontRef idx="minor">
             <a:schemeClr val="dk1"/>
@@ -3668,44 +3733,6 @@
           <a:lstStyle/>
           <a:p>
             <a:pPr algn="ctr"/>
-            <a:endParaRPr lang="en-US" dirty="0"/>
-          </a:p>
-        </p:txBody>
-      </p:sp>
-      <p:sp>
-        <p:nvSpPr>
-          <p:cNvPr id="16" name="Rectangle 15"/>
-          <p:cNvSpPr/>
-          <p:nvPr/>
-        </p:nvSpPr>
-        <p:spPr>
-          <a:xfrm>
-            <a:off x="4648200" y="3124200"/>
-            <a:ext cx="1600200" cy="381000"/>
-          </a:xfrm>
-          <a:prstGeom prst="rect">
-            <a:avLst/>
-          </a:prstGeom>
-        </p:spPr>
-        <p:style>
-          <a:lnRef idx="2">
-            <a:schemeClr val="accent1"/>
-          </a:lnRef>
-          <a:fillRef idx="1">
-            <a:schemeClr val="lt1"/>
-          </a:fillRef>
-          <a:effectRef idx="0">
-            <a:schemeClr val="accent1"/>
-          </a:effectRef>
-          <a:fontRef idx="minor">
-            <a:schemeClr val="dk1"/>
-          </a:fontRef>
-        </p:style>
-        <p:txBody>
-          <a:bodyPr rtlCol="0" anchor="ctr"/>
-          <a:lstStyle/>
-          <a:p>
-            <a:pPr algn="ctr"/>
             <a:r>
               <a:rPr lang="en-US" dirty="0" smtClean="0"/>
               <a:t>table.calyear</a:t>
@@ -3719,86 +3746,14 @@
           <p:cNvPr id="18" name="Straight Connector 17"/>
           <p:cNvCxnSpPr>
             <a:stCxn id="16" idx="1"/>
-            <a:endCxn id="14" idx="3"/>
+            <a:endCxn id="51" idx="3"/>
           </p:cNvCxnSpPr>
           <p:nvPr/>
         </p:nvCxnSpPr>
         <p:spPr>
-          <a:xfrm rot="10800000">
-            <a:off x="3810000" y="3314700"/>
-            <a:ext cx="838200" cy="1588"/>
-          </a:xfrm>
-          <a:prstGeom prst="line">
-            <a:avLst/>
-          </a:prstGeom>
-        </p:spPr>
-        <p:style>
-          <a:lnRef idx="2">
-            <a:schemeClr val="accent1"/>
-          </a:lnRef>
-          <a:fillRef idx="0">
-            <a:schemeClr val="accent1"/>
-          </a:fillRef>
-          <a:effectRef idx="1">
-            <a:schemeClr val="accent1"/>
-          </a:effectRef>
-          <a:fontRef idx="minor">
-            <a:schemeClr val="tx1"/>
-          </a:fontRef>
-        </p:style>
-      </p:cxnSp>
-      <p:sp>
-        <p:nvSpPr>
-          <p:cNvPr id="20" name="Rectangle 19"/>
-          <p:cNvSpPr/>
-          <p:nvPr/>
-        </p:nvSpPr>
-        <p:spPr>
-          <a:xfrm>
-            <a:off x="1548384" y="1679448"/>
-            <a:ext cx="381000" cy="228600"/>
-          </a:xfrm>
-          <a:prstGeom prst="rect">
-            <a:avLst/>
-          </a:prstGeom>
-          <a:noFill/>
-        </p:spPr>
-        <p:style>
-          <a:lnRef idx="2">
-            <a:schemeClr val="accent2"/>
-          </a:lnRef>
-          <a:fillRef idx="1">
-            <a:schemeClr val="lt1"/>
-          </a:fillRef>
-          <a:effectRef idx="0">
-            <a:schemeClr val="accent2"/>
-          </a:effectRef>
-          <a:fontRef idx="minor">
-            <a:schemeClr val="dk1"/>
-          </a:fontRef>
-        </p:style>
-        <p:txBody>
-          <a:bodyPr rtlCol="0" anchor="ctr"/>
-          <a:lstStyle/>
-          <a:p>
-            <a:pPr algn="ctr"/>
-            <a:endParaRPr lang="en-US" dirty="0"/>
-          </a:p>
-        </p:txBody>
-      </p:sp>
-      <p:cxnSp>
-        <p:nvCxnSpPr>
-          <p:cNvPr id="21" name="Straight Connector 20"/>
-          <p:cNvCxnSpPr>
-            <a:stCxn id="8" idx="1"/>
-            <a:endCxn id="20" idx="3"/>
-          </p:cNvCxnSpPr>
-          <p:nvPr/>
-        </p:nvCxnSpPr>
-        <p:spPr>
-          <a:xfrm rot="10800000">
-            <a:off x="1929384" y="1793748"/>
-            <a:ext cx="1143000" cy="38100"/>
+          <a:xfrm rot="10800000" flipV="1">
+            <a:off x="2496312" y="685800"/>
+            <a:ext cx="399288" cy="208788"/>
           </a:xfrm>
           <a:prstGeom prst="line">
             <a:avLst/>
@@ -3828,7 +3783,7 @@
           <p:nvPr/>
         </p:nvPicPr>
         <p:blipFill>
-          <a:blip r:embed="rId4"/>
+          <a:blip r:embed="rId6"/>
           <a:srcRect/>
           <a:stretch>
             <a:fillRect/>
@@ -3854,7 +3809,7 @@
           <p:nvPr/>
         </p:nvPicPr>
         <p:blipFill>
-          <a:blip r:embed="rId5"/>
+          <a:blip r:embed="rId7"/>
           <a:srcRect/>
           <a:stretch>
             <a:fillRect/>
@@ -3864,32 +3819,6 @@
           <a:xfrm>
             <a:off x="2667000" y="4114800"/>
             <a:ext cx="1704975" cy="219075"/>
-          </a:xfrm>
-          <a:prstGeom prst="rect">
-            <a:avLst/>
-          </a:prstGeom>
-          <a:noFill/>
-        </p:spPr>
-      </p:pic>
-      <p:pic>
-        <p:nvPicPr>
-          <p:cNvPr id="1029" name="Picture 5" descr="D:\home\jumperchen\prj\zk1\zkdoc\styleguide\images\calenlar-day.gif"/>
-          <p:cNvPicPr>
-            <a:picLocks noChangeAspect="1" noChangeArrowheads="1"/>
-          </p:cNvPicPr>
-          <p:nvPr/>
-        </p:nvPicPr>
-        <p:blipFill>
-          <a:blip r:embed="rId6"/>
-          <a:srcRect/>
-          <a:stretch>
-            <a:fillRect/>
-          </a:stretch>
-        </p:blipFill>
-        <p:spPr bwMode="auto">
-          <a:xfrm>
-            <a:off x="2057400" y="5105400"/>
-            <a:ext cx="1695450" cy="781050"/>
           </a:xfrm>
           <a:prstGeom prst="rect">
             <a:avLst/>
@@ -3944,8 +3873,8 @@
         </p:nvSpPr>
         <p:spPr>
           <a:xfrm>
-            <a:off x="5257800" y="4038600"/>
-            <a:ext cx="1600200" cy="381000"/>
+            <a:off x="4724400" y="4114800"/>
+            <a:ext cx="1066800" cy="228600"/>
           </a:xfrm>
           <a:prstGeom prst="rect">
             <a:avLst/>
@@ -3972,7 +3901,7 @@
             <a:pPr algn="ctr"/>
             <a:r>
               <a:rPr lang="en-US" dirty="0" smtClean="0"/>
-              <a:t>tr.caldow td</a:t>
+              <a:t>tr.caldow</a:t>
             </a:r>
             <a:endParaRPr lang="en-US" dirty="0"/>
           </a:p>
@@ -3990,7 +3919,7 @@
         <p:spPr>
           <a:xfrm rot="10800000">
             <a:off x="4419600" y="4229100"/>
-            <a:ext cx="838200" cy="1588"/>
+            <a:ext cx="304800" cy="1588"/>
           </a:xfrm>
           <a:prstGeom prst="line">
             <a:avLst/>
@@ -4058,8 +3987,8 @@
         </p:nvSpPr>
         <p:spPr>
           <a:xfrm>
-            <a:off x="4724400" y="4800600"/>
-            <a:ext cx="1733550" cy="533400"/>
+            <a:off x="2895600" y="1645920"/>
+            <a:ext cx="1371600" cy="304800"/>
           </a:xfrm>
           <a:prstGeom prst="rect">
             <a:avLst/>
@@ -4097,14 +4026,14 @@
           <p:cNvPr id="38" name="Straight Connector 37"/>
           <p:cNvCxnSpPr>
             <a:stCxn id="37" idx="1"/>
-            <a:endCxn id="36" idx="3"/>
+            <a:endCxn id="53" idx="3"/>
           </p:cNvCxnSpPr>
           <p:nvPr/>
         </p:nvCxnSpPr>
         <p:spPr>
           <a:xfrm rot="10800000" flipV="1">
-            <a:off x="3886200" y="5067300"/>
-            <a:ext cx="838200" cy="419100"/>
+            <a:off x="2505456" y="1798320"/>
+            <a:ext cx="390144" cy="12192"/>
           </a:xfrm>
           <a:prstGeom prst="line">
             <a:avLst/>
@@ -4133,8 +4062,8 @@
         </p:nvSpPr>
         <p:spPr>
           <a:xfrm>
-            <a:off x="5257800" y="5486400"/>
-            <a:ext cx="1733550" cy="533400"/>
+            <a:off x="4114800" y="4800600"/>
+            <a:ext cx="1219200" cy="304800"/>
           </a:xfrm>
           <a:prstGeom prst="rect">
             <a:avLst/>
@@ -4177,9 +4106,9 @@
           <p:nvPr/>
         </p:nvCxnSpPr>
         <p:spPr>
-          <a:xfrm rot="10800000">
-            <a:off x="3733800" y="5638800"/>
-            <a:ext cx="1524000" cy="114300"/>
+          <a:xfrm rot="10800000" flipV="1">
+            <a:off x="3505200" y="4953000"/>
+            <a:ext cx="609600" cy="225552"/>
           </a:xfrm>
           <a:prstGeom prst="line">
             <a:avLst/>
@@ -4208,8 +4137,8 @@
         </p:nvSpPr>
         <p:spPr>
           <a:xfrm>
-            <a:off x="1981200" y="5562600"/>
-            <a:ext cx="1752600" cy="152400"/>
+            <a:off x="3276600" y="5096256"/>
+            <a:ext cx="228600" cy="164592"/>
           </a:xfrm>
           <a:prstGeom prst="rect">
             <a:avLst/>
@@ -4247,7 +4176,7 @@
         </p:nvSpPr>
         <p:spPr>
           <a:xfrm>
-            <a:off x="381000" y="609600"/>
+            <a:off x="457200" y="685800"/>
             <a:ext cx="2209800" cy="1752600"/>
           </a:xfrm>
           <a:prstGeom prst="rect">
@@ -4281,13 +4210,16 @@
       <p:cxnSp>
         <p:nvCxnSpPr>
           <p:cNvPr id="55" name="Straight Connector 54"/>
-          <p:cNvCxnSpPr/>
+          <p:cNvCxnSpPr>
+            <a:stCxn id="59" idx="2"/>
+            <a:endCxn id="54" idx="0"/>
+          </p:cNvCxnSpPr>
           <p:nvPr/>
         </p:nvCxnSpPr>
         <p:spPr>
-          <a:xfrm rot="10800000" flipV="1">
-            <a:off x="2590800" y="685800"/>
-            <a:ext cx="585216" cy="422148"/>
+          <a:xfrm rot="16200000" flipH="1">
+            <a:off x="1485138" y="608838"/>
+            <a:ext cx="152400" cy="1524"/>
           </a:xfrm>
           <a:prstGeom prst="line">
             <a:avLst/>
@@ -4316,7 +4248,7 @@
         </p:nvSpPr>
         <p:spPr>
           <a:xfrm>
-            <a:off x="3124200" y="457200"/>
+            <a:off x="646176" y="152400"/>
             <a:ext cx="1828800" cy="381000"/>
           </a:xfrm>
           <a:prstGeom prst="rect">
@@ -4463,39 +4395,6 @@
           </a:p>
         </p:txBody>
       </p:sp>
-      <p:pic>
-        <p:nvPicPr>
-          <p:cNvPr id="1030" name="Picture 6"/>
-          <p:cNvPicPr>
-            <a:picLocks noChangeAspect="1" noChangeArrowheads="1"/>
-          </p:cNvPicPr>
-          <p:nvPr/>
-        </p:nvPicPr>
-        <p:blipFill>
-          <a:blip r:embed="rId7"/>
-          <a:srcRect/>
-          <a:stretch>
-            <a:fillRect/>
-          </a:stretch>
-        </p:blipFill>
-        <p:spPr bwMode="auto">
-          <a:xfrm>
-            <a:off x="5257800" y="1143000"/>
-            <a:ext cx="1666875" cy="295275"/>
-          </a:xfrm>
-          <a:prstGeom prst="rect">
-            <a:avLst/>
-          </a:prstGeom>
-          <a:noFill/>
-          <a:ln w="9525">
-            <a:noFill/>
-            <a:miter lim="800000"/>
-            <a:headEnd/>
-            <a:tailEnd/>
-          </a:ln>
-          <a:effectLst/>
-        </p:spPr>
-      </p:pic>
       <p:sp>
         <p:nvSpPr>
           <p:cNvPr id="69" name="Rectangle 68"/>
@@ -4505,7 +4404,7 @@
         <p:spPr>
           <a:xfrm>
             <a:off x="5181600" y="1066800"/>
-            <a:ext cx="1752600" cy="457200"/>
+            <a:ext cx="1905000" cy="457200"/>
           </a:xfrm>
           <a:prstGeom prst="rect">
             <a:avLst/>
@@ -4543,8 +4442,8 @@
         </p:nvSpPr>
         <p:spPr>
           <a:xfrm>
-            <a:off x="7391400" y="990600"/>
-            <a:ext cx="1447800" cy="381000"/>
+            <a:off x="2895600" y="990600"/>
+            <a:ext cx="1447800" cy="304800"/>
           </a:xfrm>
           <a:prstGeom prst="rect">
             <a:avLst/>
@@ -4582,14 +4481,14 @@
           <p:cNvPr id="71" name="Straight Connector 70"/>
           <p:cNvCxnSpPr>
             <a:stCxn id="70" idx="1"/>
-            <a:endCxn id="69" idx="3"/>
+            <a:endCxn id="52" idx="3"/>
           </p:cNvCxnSpPr>
           <p:nvPr/>
         </p:nvCxnSpPr>
         <p:spPr>
           <a:xfrm rot="10800000" flipV="1">
-            <a:off x="6934200" y="1181100"/>
-            <a:ext cx="457200" cy="114300"/>
+            <a:off x="2496312" y="1143000"/>
+            <a:ext cx="399288" cy="28956"/>
           </a:xfrm>
           <a:prstGeom prst="line">
             <a:avLst/>
@@ -4618,8 +4517,8 @@
         </p:nvSpPr>
         <p:spPr>
           <a:xfrm>
-            <a:off x="6096000" y="1143000"/>
-            <a:ext cx="304800" cy="152400"/>
+            <a:off x="6647688" y="1304544"/>
+            <a:ext cx="381000" cy="152400"/>
           </a:xfrm>
           <a:prstGeom prst="rect">
             <a:avLst/>
@@ -4652,13 +4551,16 @@
       <p:cxnSp>
         <p:nvCxnSpPr>
           <p:cNvPr id="80" name="Straight Connector 79"/>
-          <p:cNvCxnSpPr/>
+          <p:cNvCxnSpPr>
+            <a:stCxn id="81" idx="1"/>
+            <a:endCxn id="79" idx="3"/>
+          </p:cNvCxnSpPr>
           <p:nvPr/>
         </p:nvCxnSpPr>
         <p:spPr>
-          <a:xfrm rot="5400000">
-            <a:off x="6286500" y="952500"/>
-            <a:ext cx="228600" cy="152400"/>
+          <a:xfrm rot="10800000" flipV="1">
+            <a:off x="7028688" y="1295400"/>
+            <a:ext cx="134112" cy="85344"/>
           </a:xfrm>
           <a:prstGeom prst="line">
             <a:avLst/>
@@ -4687,8 +4589,8 @@
         </p:nvSpPr>
         <p:spPr>
           <a:xfrm>
-            <a:off x="6400800" y="609600"/>
-            <a:ext cx="1828800" cy="304800"/>
+            <a:off x="7162800" y="1143000"/>
+            <a:ext cx="1676400" cy="304800"/>
           </a:xfrm>
           <a:prstGeom prst="rect">
             <a:avLst/>
@@ -4715,12 +4617,471 @@
             <a:pPr algn="ctr"/>
             <a:r>
               <a:rPr lang="en-US" altLang="zh-TW" dirty="0" smtClean="0"/>
-              <a:t>table.calmon </a:t>
-            </a:r>
-            <a:r>
-              <a:rPr lang="en-US" altLang="zh-TW" dirty="0" smtClean="0"/>
-              <a:t>td</a:t>
-            </a:r>
+              <a:t>table.calmon td</a:t>
+            </a:r>
+            <a:endParaRPr lang="en-US" dirty="0"/>
+          </a:p>
+        </p:txBody>
+      </p:sp>
+      <p:sp>
+        <p:nvSpPr>
+          <p:cNvPr id="51" name="Rectangle 50"/>
+          <p:cNvSpPr/>
+          <p:nvPr/>
+        </p:nvSpPr>
+        <p:spPr>
+          <a:xfrm>
+            <a:off x="591312" y="771144"/>
+            <a:ext cx="1905000" cy="246888"/>
+          </a:xfrm>
+          <a:prstGeom prst="rect">
+            <a:avLst/>
+          </a:prstGeom>
+          <a:noFill/>
+        </p:spPr>
+        <p:style>
+          <a:lnRef idx="2">
+            <a:schemeClr val="accent2"/>
+          </a:lnRef>
+          <a:fillRef idx="1">
+            <a:schemeClr val="lt1"/>
+          </a:fillRef>
+          <a:effectRef idx="0">
+            <a:schemeClr val="accent2"/>
+          </a:effectRef>
+          <a:fontRef idx="minor">
+            <a:schemeClr val="dk1"/>
+          </a:fontRef>
+        </p:style>
+        <p:txBody>
+          <a:bodyPr rtlCol="0" anchor="ctr"/>
+          <a:lstStyle/>
+          <a:p>
+            <a:pPr algn="ctr"/>
+            <a:endParaRPr lang="en-US" dirty="0"/>
+          </a:p>
+        </p:txBody>
+      </p:sp>
+      <p:sp>
+        <p:nvSpPr>
+          <p:cNvPr id="52" name="Rectangle 51"/>
+          <p:cNvSpPr/>
+          <p:nvPr/>
+        </p:nvSpPr>
+        <p:spPr>
+          <a:xfrm>
+            <a:off x="591312" y="1048512"/>
+            <a:ext cx="1905000" cy="246888"/>
+          </a:xfrm>
+          <a:prstGeom prst="rect">
+            <a:avLst/>
+          </a:prstGeom>
+          <a:noFill/>
+        </p:spPr>
+        <p:style>
+          <a:lnRef idx="2">
+            <a:schemeClr val="accent2"/>
+          </a:lnRef>
+          <a:fillRef idx="1">
+            <a:schemeClr val="lt1"/>
+          </a:fillRef>
+          <a:effectRef idx="0">
+            <a:schemeClr val="accent2"/>
+          </a:effectRef>
+          <a:fontRef idx="minor">
+            <a:schemeClr val="dk1"/>
+          </a:fontRef>
+        </p:style>
+        <p:txBody>
+          <a:bodyPr rtlCol="0" anchor="ctr"/>
+          <a:lstStyle/>
+          <a:p>
+            <a:pPr algn="ctr"/>
+            <a:endParaRPr lang="en-US" dirty="0"/>
+          </a:p>
+        </p:txBody>
+      </p:sp>
+      <p:sp>
+        <p:nvSpPr>
+          <p:cNvPr id="53" name="Rectangle 52"/>
+          <p:cNvSpPr/>
+          <p:nvPr/>
+        </p:nvSpPr>
+        <p:spPr>
+          <a:xfrm>
+            <a:off x="600456" y="1335024"/>
+            <a:ext cx="1905000" cy="950976"/>
+          </a:xfrm>
+          <a:prstGeom prst="rect">
+            <a:avLst/>
+          </a:prstGeom>
+          <a:noFill/>
+        </p:spPr>
+        <p:style>
+          <a:lnRef idx="2">
+            <a:schemeClr val="accent2"/>
+          </a:lnRef>
+          <a:fillRef idx="1">
+            <a:schemeClr val="lt1"/>
+          </a:fillRef>
+          <a:effectRef idx="0">
+            <a:schemeClr val="accent2"/>
+          </a:effectRef>
+          <a:fontRef idx="minor">
+            <a:schemeClr val="dk1"/>
+          </a:fontRef>
+        </p:style>
+        <p:txBody>
+          <a:bodyPr rtlCol="0" anchor="ctr"/>
+          <a:lstStyle/>
+          <a:p>
+            <a:pPr algn="ctr"/>
+            <a:endParaRPr lang="en-US" dirty="0"/>
+          </a:p>
+        </p:txBody>
+      </p:sp>
+      <p:sp>
+        <p:nvSpPr>
+          <p:cNvPr id="112" name="Rectangle 111"/>
+          <p:cNvSpPr/>
+          <p:nvPr/>
+        </p:nvSpPr>
+        <p:spPr>
+          <a:xfrm flipV="1">
+            <a:off x="3429000" y="4114800"/>
+            <a:ext cx="304800" cy="228600"/>
+          </a:xfrm>
+          <a:prstGeom prst="rect">
+            <a:avLst/>
+          </a:prstGeom>
+          <a:noFill/>
+        </p:spPr>
+        <p:style>
+          <a:lnRef idx="2">
+            <a:schemeClr val="accent2"/>
+          </a:lnRef>
+          <a:fillRef idx="1">
+            <a:schemeClr val="lt1"/>
+          </a:fillRef>
+          <a:effectRef idx="0">
+            <a:schemeClr val="accent2"/>
+          </a:effectRef>
+          <a:fontRef idx="minor">
+            <a:schemeClr val="dk1"/>
+          </a:fontRef>
+        </p:style>
+        <p:txBody>
+          <a:bodyPr rtlCol="0" anchor="ctr"/>
+          <a:lstStyle/>
+          <a:p>
+            <a:pPr algn="ctr"/>
+            <a:endParaRPr lang="en-US" dirty="0"/>
+          </a:p>
+        </p:txBody>
+      </p:sp>
+      <p:sp>
+        <p:nvSpPr>
+          <p:cNvPr id="113" name="Rectangle 112"/>
+          <p:cNvSpPr/>
+          <p:nvPr/>
+        </p:nvSpPr>
+        <p:spPr>
+          <a:xfrm>
+            <a:off x="3048000" y="3733800"/>
+            <a:ext cx="1295400" cy="228600"/>
+          </a:xfrm>
+          <a:prstGeom prst="rect">
+            <a:avLst/>
+          </a:prstGeom>
+        </p:spPr>
+        <p:style>
+          <a:lnRef idx="2">
+            <a:schemeClr val="accent1"/>
+          </a:lnRef>
+          <a:fillRef idx="1">
+            <a:schemeClr val="lt1"/>
+          </a:fillRef>
+          <a:effectRef idx="0">
+            <a:schemeClr val="accent1"/>
+          </a:effectRef>
+          <a:fontRef idx="minor">
+            <a:schemeClr val="dk1"/>
+          </a:fontRef>
+        </p:style>
+        <p:txBody>
+          <a:bodyPr rtlCol="0" anchor="ctr"/>
+          <a:lstStyle/>
+          <a:p>
+            <a:pPr algn="ctr"/>
+            <a:r>
+              <a:rPr lang="en-US" dirty="0" smtClean="0"/>
+              <a:t>tr.caldow td</a:t>
+            </a:r>
+            <a:endParaRPr lang="en-US" dirty="0"/>
+          </a:p>
+        </p:txBody>
+      </p:sp>
+      <p:cxnSp>
+        <p:nvCxnSpPr>
+          <p:cNvPr id="114" name="Straight Connector 113"/>
+          <p:cNvCxnSpPr>
+            <a:stCxn id="113" idx="2"/>
+            <a:endCxn id="112" idx="2"/>
+          </p:cNvCxnSpPr>
+          <p:nvPr/>
+        </p:nvCxnSpPr>
+        <p:spPr>
+          <a:xfrm rot="5400000">
+            <a:off x="3562350" y="3981450"/>
+            <a:ext cx="152400" cy="114300"/>
+          </a:xfrm>
+          <a:prstGeom prst="line">
+            <a:avLst/>
+          </a:prstGeom>
+        </p:spPr>
+        <p:style>
+          <a:lnRef idx="2">
+            <a:schemeClr val="accent1"/>
+          </a:lnRef>
+          <a:fillRef idx="0">
+            <a:schemeClr val="accent1"/>
+          </a:fillRef>
+          <a:effectRef idx="1">
+            <a:schemeClr val="accent1"/>
+          </a:effectRef>
+          <a:fontRef idx="minor">
+            <a:schemeClr val="tx1"/>
+          </a:fontRef>
+        </p:style>
+      </p:cxnSp>
+      <p:sp>
+        <p:nvSpPr>
+          <p:cNvPr id="145" name="Rectangle 144"/>
+          <p:cNvSpPr/>
+          <p:nvPr/>
+        </p:nvSpPr>
+        <p:spPr>
+          <a:xfrm>
+            <a:off x="3285744" y="5352288"/>
+            <a:ext cx="228600" cy="228600"/>
+          </a:xfrm>
+          <a:prstGeom prst="rect">
+            <a:avLst/>
+          </a:prstGeom>
+          <a:noFill/>
+        </p:spPr>
+        <p:style>
+          <a:lnRef idx="2">
+            <a:schemeClr val="accent2"/>
+          </a:lnRef>
+          <a:fillRef idx="1">
+            <a:schemeClr val="lt1"/>
+          </a:fillRef>
+          <a:effectRef idx="0">
+            <a:schemeClr val="accent2"/>
+          </a:effectRef>
+          <a:fontRef idx="minor">
+            <a:schemeClr val="dk1"/>
+          </a:fontRef>
+        </p:style>
+        <p:txBody>
+          <a:bodyPr rtlCol="0" anchor="ctr"/>
+          <a:lstStyle/>
+          <a:p>
+            <a:pPr algn="ctr"/>
+            <a:endParaRPr lang="en-US" dirty="0"/>
+          </a:p>
+        </p:txBody>
+      </p:sp>
+      <p:sp>
+        <p:nvSpPr>
+          <p:cNvPr id="146" name="Rectangle 145"/>
+          <p:cNvSpPr/>
+          <p:nvPr/>
+        </p:nvSpPr>
+        <p:spPr>
+          <a:xfrm>
+            <a:off x="4191000" y="5181600"/>
+            <a:ext cx="914400" cy="304800"/>
+          </a:xfrm>
+          <a:prstGeom prst="rect">
+            <a:avLst/>
+          </a:prstGeom>
+        </p:spPr>
+        <p:style>
+          <a:lnRef idx="2">
+            <a:schemeClr val="accent1"/>
+          </a:lnRef>
+          <a:fillRef idx="1">
+            <a:schemeClr val="lt1"/>
+          </a:fillRef>
+          <a:effectRef idx="0">
+            <a:schemeClr val="accent1"/>
+          </a:effectRef>
+          <a:fontRef idx="minor">
+            <a:schemeClr val="dk1"/>
+          </a:fontRef>
+        </p:style>
+        <p:txBody>
+          <a:bodyPr rtlCol="0" anchor="ctr"/>
+          <a:lstStyle/>
+          <a:p>
+            <a:pPr algn="ctr"/>
+            <a:r>
+              <a:rPr lang="en-US" dirty="0" smtClean="0"/>
+              <a:t>td.seld</a:t>
+            </a:r>
+            <a:endParaRPr lang="en-US" dirty="0"/>
+          </a:p>
+        </p:txBody>
+      </p:sp>
+      <p:cxnSp>
+        <p:nvCxnSpPr>
+          <p:cNvPr id="147" name="Straight Connector 146"/>
+          <p:cNvCxnSpPr>
+            <a:stCxn id="146" idx="1"/>
+            <a:endCxn id="145" idx="3"/>
+          </p:cNvCxnSpPr>
+          <p:nvPr/>
+        </p:nvCxnSpPr>
+        <p:spPr>
+          <a:xfrm rot="10800000" flipV="1">
+            <a:off x="3514344" y="5334000"/>
+            <a:ext cx="676656" cy="132588"/>
+          </a:xfrm>
+          <a:prstGeom prst="line">
+            <a:avLst/>
+          </a:prstGeom>
+        </p:spPr>
+        <p:style>
+          <a:lnRef idx="2">
+            <a:schemeClr val="accent1"/>
+          </a:lnRef>
+          <a:fillRef idx="0">
+            <a:schemeClr val="accent1"/>
+          </a:fillRef>
+          <a:effectRef idx="1">
+            <a:schemeClr val="accent1"/>
+          </a:effectRef>
+          <a:fontRef idx="minor">
+            <a:schemeClr val="tx1"/>
+          </a:fontRef>
+        </p:style>
+      </p:cxnSp>
+      <p:sp>
+        <p:nvSpPr>
+          <p:cNvPr id="157" name="Rectangle 156"/>
+          <p:cNvSpPr/>
+          <p:nvPr/>
+        </p:nvSpPr>
+        <p:spPr>
+          <a:xfrm>
+            <a:off x="4038600" y="5620512"/>
+            <a:ext cx="1676400" cy="304800"/>
+          </a:xfrm>
+          <a:prstGeom prst="rect">
+            <a:avLst/>
+          </a:prstGeom>
+        </p:spPr>
+        <p:style>
+          <a:lnRef idx="2">
+            <a:schemeClr val="accent1"/>
+          </a:lnRef>
+          <a:fillRef idx="1">
+            <a:schemeClr val="lt1"/>
+          </a:fillRef>
+          <a:effectRef idx="0">
+            <a:schemeClr val="accent1"/>
+          </a:effectRef>
+          <a:fontRef idx="minor">
+            <a:schemeClr val="dk1"/>
+          </a:fontRef>
+        </p:style>
+        <p:txBody>
+          <a:bodyPr rtlCol="0" anchor="ctr"/>
+          <a:lstStyle/>
+          <a:p>
+            <a:pPr algn="ctr"/>
+            <a:r>
+              <a:rPr lang="en-US" dirty="0" smtClean="0"/>
+              <a:t>tr.calday </a:t>
+            </a:r>
+            <a:r>
+              <a:rPr lang="en-US" dirty="0" smtClean="0"/>
+              <a:t>td.dis</a:t>
+            </a:r>
+            <a:endParaRPr lang="en-US" dirty="0"/>
+          </a:p>
+        </p:txBody>
+      </p:sp>
+      <p:cxnSp>
+        <p:nvCxnSpPr>
+          <p:cNvPr id="158" name="Straight Connector 157"/>
+          <p:cNvCxnSpPr>
+            <a:stCxn id="157" idx="1"/>
+            <a:endCxn id="159" idx="3"/>
+          </p:cNvCxnSpPr>
+          <p:nvPr/>
+        </p:nvCxnSpPr>
+        <p:spPr>
+          <a:xfrm rot="10800000">
+            <a:off x="3505200" y="5769864"/>
+            <a:ext cx="533400" cy="3048"/>
+          </a:xfrm>
+          <a:prstGeom prst="line">
+            <a:avLst/>
+          </a:prstGeom>
+        </p:spPr>
+        <p:style>
+          <a:lnRef idx="2">
+            <a:schemeClr val="accent1"/>
+          </a:lnRef>
+          <a:fillRef idx="0">
+            <a:schemeClr val="accent1"/>
+          </a:fillRef>
+          <a:effectRef idx="1">
+            <a:schemeClr val="accent1"/>
+          </a:effectRef>
+          <a:fontRef idx="minor">
+            <a:schemeClr val="tx1"/>
+          </a:fontRef>
+        </p:style>
+      </p:cxnSp>
+      <p:sp>
+        <p:nvSpPr>
+          <p:cNvPr id="159" name="Rectangle 158"/>
+          <p:cNvSpPr/>
+          <p:nvPr/>
+        </p:nvSpPr>
+        <p:spPr>
+          <a:xfrm>
+            <a:off x="3276600" y="5687568"/>
+            <a:ext cx="228600" cy="164592"/>
+          </a:xfrm>
+          <a:prstGeom prst="rect">
+            <a:avLst/>
+          </a:prstGeom>
+          <a:noFill/>
+        </p:spPr>
+        <p:style>
+          <a:lnRef idx="2">
+            <a:schemeClr val="accent2"/>
+          </a:lnRef>
+          <a:fillRef idx="1">
+            <a:schemeClr val="lt1"/>
+          </a:fillRef>
+          <a:effectRef idx="0">
+            <a:schemeClr val="accent2"/>
+          </a:effectRef>
+          <a:fontRef idx="minor">
+            <a:schemeClr val="dk1"/>
+          </a:fontRef>
+        </p:style>
+        <p:txBody>
+          <a:bodyPr rtlCol="0" anchor="ctr"/>
+          <a:lstStyle/>
+          <a:p>
+            <a:pPr algn="ctr"/>
             <a:endParaRPr lang="en-US" dirty="0"/>
           </a:p>
         </p:txBody>
